--- a/Codigo e suas linguagens - Templete.pptx
+++ b/Codigo e suas linguagens - Templete.pptx
@@ -3689,15 +3689,23 @@
             </a:r>
             <a:r>
               <a:rPr lang="pt-BR" sz="3200" baseline="30000" dirty="0"/>
-              <a:t>(1)</a:t>
-            </a:r>
-            <a:r>
-              <a:rPr lang="pt-BR" sz="3200" dirty="0"/>
-              <a:t>; Camillo, Eloá Souza</a:t>
+              <a:t>(1</a:t>
+            </a:r>
+            <a:r>
+              <a:rPr lang="pt-BR" sz="3200" baseline="30000"/>
+              <a:t>)</a:t>
+            </a:r>
+            <a:r>
+              <a:rPr lang="pt-BR" sz="3200"/>
+              <a:t>; Souza Camillo, Eloá</a:t>
+            </a:r>
+            <a:r>
+              <a:rPr lang="pt-BR" sz="3200" baseline="30000"/>
+              <a:t>(</a:t>
             </a:r>
             <a:r>
               <a:rPr lang="pt-BR" sz="3200" baseline="30000" dirty="0"/>
-              <a:t>(1)</a:t>
+              <a:t>1)</a:t>
             </a:r>
             <a:r>
               <a:rPr lang="pt-BR" sz="3200" dirty="0"/>
